--- a/presentation/light feedback presentation.pptx
+++ b/presentation/light feedback presentation.pptx
@@ -7,8 +7,9 @@
   <p:sldIdLst>
     <p:sldId id="256" r:id="rId2"/>
     <p:sldId id="259" r:id="rId3"/>
-    <p:sldId id="257" r:id="rId4"/>
-    <p:sldId id="258" r:id="rId5"/>
+    <p:sldId id="260" r:id="rId4"/>
+    <p:sldId id="257" r:id="rId5"/>
+    <p:sldId id="258" r:id="rId6"/>
   </p:sldIdLst>
   <p:sldSz cx="9144000" cy="6858000" type="screen4x3"/>
   <p:notesSz cx="6858000" cy="9144000"/>
@@ -3341,13 +3342,13 @@
         </p:nvSpPr>
         <p:spPr>
           <a:xfrm>
-            <a:off x="274642" y="1687520"/>
-            <a:ext cx="8688704" cy="4467688"/>
+            <a:off x="841676" y="1640271"/>
+            <a:ext cx="7616524" cy="4467688"/>
           </a:xfrm>
         </p:spPr>
         <p:txBody>
           <a:bodyPr>
-            <a:normAutofit fontScale="47500" lnSpcReduction="20000"/>
+            <a:normAutofit fontScale="55000" lnSpcReduction="20000"/>
           </a:bodyPr>
           <a:lstStyle/>
           <a:p>
@@ -3403,49 +3404,6 @@
                 <a:schemeClr val="tx1"/>
               </a:solidFill>
             </a:endParaRPr>
-          </a:p>
-          <a:p>
-            <a:pPr algn="l"/>
-            <a:r>
-              <a:rPr lang="en-US" sz="3500" b="1" dirty="0" smtClean="0">
-                <a:solidFill>
-                  <a:schemeClr val="tx1"/>
-                </a:solidFill>
-              </a:rPr>
-              <a:t>Solution:</a:t>
-            </a:r>
-            <a:r>
-              <a:rPr lang="en-US" sz="3500" dirty="0" smtClean="0">
-                <a:solidFill>
-                  <a:schemeClr val="tx1"/>
-                </a:solidFill>
-              </a:rPr>
-              <a:t> </a:t>
-            </a:r>
-            <a:r>
-              <a:rPr lang="en-US" sz="3500" dirty="0" smtClean="0">
-                <a:solidFill>
-                  <a:schemeClr val="tx1"/>
-                </a:solidFill>
-              </a:rPr>
-              <a:t>The gist is that when you begin your day, you will be informed of the current temperature and weather conditions. If it is cold out the light will flash a deep blue, if it is raining the light will flash a darker hue of white. If it’s December 31</a:t>
-            </a:r>
-            <a:r>
-              <a:rPr lang="en-US" sz="3500" baseline="30000" dirty="0" smtClean="0">
-                <a:solidFill>
-                  <a:schemeClr val="tx1"/>
-                </a:solidFill>
-              </a:rPr>
-              <a:t>st</a:t>
-            </a:r>
-            <a:r>
-              <a:rPr lang="en-US" sz="3500" dirty="0" smtClean="0">
-                <a:solidFill>
-                  <a:schemeClr val="tx1"/>
-                </a:solidFill>
-              </a:rPr>
-              <a:t> and New York City decides to be 80 degrees outside, the light will flash an orange/reddish hue. </a:t>
-            </a:r>
           </a:p>
           <a:p>
             <a:pPr algn="l"/>
@@ -3525,6 +3483,184 @@
       </p:grpSpPr>
       <p:sp>
         <p:nvSpPr>
+          <p:cNvPr id="2" name="Title 1"/>
+          <p:cNvSpPr>
+            <a:spLocks noGrp="1"/>
+          </p:cNvSpPr>
+          <p:nvPr>
+            <p:ph type="ctrTitle"/>
+          </p:nvPr>
+        </p:nvSpPr>
+        <p:spPr>
+          <a:xfrm>
+            <a:off x="685800" y="579526"/>
+            <a:ext cx="7772400" cy="544020"/>
+          </a:xfrm>
+        </p:spPr>
+        <p:txBody>
+          <a:bodyPr>
+            <a:normAutofit fontScale="90000"/>
+          </a:bodyPr>
+          <a:lstStyle/>
+          <a:p>
+            <a:r>
+              <a:rPr lang="en-US" dirty="0" err="1" smtClean="0"/>
+              <a:t>LightFeedback</a:t>
+            </a:r>
+            <a:endParaRPr lang="en-US" dirty="0"/>
+          </a:p>
+        </p:txBody>
+      </p:sp>
+      <p:sp>
+        <p:nvSpPr>
+          <p:cNvPr id="3" name="Subtitle 2"/>
+          <p:cNvSpPr>
+            <a:spLocks noGrp="1"/>
+          </p:cNvSpPr>
+          <p:nvPr>
+            <p:ph type="subTitle" idx="1"/>
+          </p:nvPr>
+        </p:nvSpPr>
+        <p:spPr>
+          <a:xfrm>
+            <a:off x="685800" y="1640271"/>
+            <a:ext cx="7772400" cy="4467688"/>
+          </a:xfrm>
+        </p:spPr>
+        <p:txBody>
+          <a:bodyPr>
+            <a:normAutofit fontScale="77500" lnSpcReduction="20000"/>
+          </a:bodyPr>
+          <a:lstStyle/>
+          <a:p>
+            <a:pPr algn="l"/>
+            <a:r>
+              <a:rPr lang="en-US" sz="3500" b="1" dirty="0" smtClean="0">
+                <a:solidFill>
+                  <a:schemeClr val="tx1"/>
+                </a:solidFill>
+              </a:rPr>
+              <a:t>Solution</a:t>
+            </a:r>
+            <a:r>
+              <a:rPr lang="en-US" sz="3500" b="1" dirty="0" smtClean="0">
+                <a:solidFill>
+                  <a:schemeClr val="tx1"/>
+                </a:solidFill>
+              </a:rPr>
+              <a:t>:</a:t>
+            </a:r>
+            <a:r>
+              <a:rPr lang="en-US" sz="3500" dirty="0" smtClean="0">
+                <a:solidFill>
+                  <a:schemeClr val="tx1"/>
+                </a:solidFill>
+              </a:rPr>
+              <a:t> </a:t>
+            </a:r>
+            <a:r>
+              <a:rPr lang="en-US" sz="3500" dirty="0" smtClean="0">
+                <a:solidFill>
+                  <a:schemeClr val="tx1"/>
+                </a:solidFill>
+              </a:rPr>
+              <a:t>The gist is that when you begin your day, you will be informed of the current temperature and weather conditions. If it is cold out the light will flash a deep blue, if it is raining the light will flash a darker hue of white. If it’s December 31</a:t>
+            </a:r>
+            <a:r>
+              <a:rPr lang="en-US" sz="3500" baseline="30000" dirty="0" smtClean="0">
+                <a:solidFill>
+                  <a:schemeClr val="tx1"/>
+                </a:solidFill>
+              </a:rPr>
+              <a:t>st</a:t>
+            </a:r>
+            <a:r>
+              <a:rPr lang="en-US" sz="3500" dirty="0" smtClean="0">
+                <a:solidFill>
+                  <a:schemeClr val="tx1"/>
+                </a:solidFill>
+              </a:rPr>
+              <a:t> and New York City decides to be 80 degrees outside, the light will flash an orange/reddish hue. </a:t>
+            </a:r>
+          </a:p>
+          <a:p>
+            <a:pPr algn="l"/>
+            <a:endParaRPr lang="en-US" sz="3500" dirty="0">
+              <a:solidFill>
+                <a:schemeClr val="tx1"/>
+              </a:solidFill>
+            </a:endParaRPr>
+          </a:p>
+          <a:p>
+            <a:pPr algn="l"/>
+            <a:endParaRPr lang="en-US" sz="3500" dirty="0" smtClean="0">
+              <a:solidFill>
+                <a:schemeClr val="tx1"/>
+              </a:solidFill>
+            </a:endParaRPr>
+          </a:p>
+          <a:p>
+            <a:pPr algn="l"/>
+            <a:endParaRPr lang="en-US" sz="3500" dirty="0"/>
+          </a:p>
+          <a:p>
+            <a:pPr algn="l"/>
+            <a:endParaRPr lang="en-US" b="1" dirty="0" smtClean="0"/>
+          </a:p>
+          <a:p>
+            <a:pPr algn="l"/>
+            <a:r>
+              <a:rPr lang="en-US" dirty="0" smtClean="0"/>
+              <a:t> </a:t>
+            </a:r>
+            <a:endParaRPr lang="en-US" dirty="0"/>
+          </a:p>
+          <a:p>
+            <a:pPr algn="l"/>
+            <a:endParaRPr lang="en-US" dirty="0" smtClean="0"/>
+          </a:p>
+          <a:p>
+            <a:pPr algn="l"/>
+            <a:endParaRPr lang="en-US" dirty="0"/>
+          </a:p>
+          <a:p>
+            <a:pPr algn="l"/>
+            <a:endParaRPr lang="en-US" dirty="0" smtClean="0"/>
+          </a:p>
+        </p:txBody>
+      </p:sp>
+    </p:spTree>
+    <p:extLst>
+      <p:ext uri="{BB962C8B-B14F-4D97-AF65-F5344CB8AC3E}">
+        <p14:creationId xmlns:p14="http://schemas.microsoft.com/office/powerpoint/2010/main" val="370449495"/>
+      </p:ext>
+    </p:extLst>
+  </p:cSld>
+  <p:clrMapOvr>
+    <a:masterClrMapping/>
+  </p:clrMapOvr>
+</p:sld>
+</file>
+
+<file path=ppt/slides/slide4.xml><?xml version="1.0" encoding="utf-8"?>
+<p:sld xmlns:a="http://schemas.openxmlformats.org/drawingml/2006/main" xmlns:r="http://schemas.openxmlformats.org/officeDocument/2006/relationships" xmlns:p="http://schemas.openxmlformats.org/presentationml/2006/main">
+  <p:cSld>
+    <p:spTree>
+      <p:nvGrpSpPr>
+        <p:cNvPr id="1" name=""/>
+        <p:cNvGrpSpPr/>
+        <p:nvPr/>
+      </p:nvGrpSpPr>
+      <p:grpSpPr>
+        <a:xfrm>
+          <a:off x="0" y="0"/>
+          <a:ext cx="0" cy="0"/>
+          <a:chOff x="0" y="0"/>
+          <a:chExt cx="0" cy="0"/>
+        </a:xfrm>
+      </p:grpSpPr>
+      <p:sp>
+        <p:nvSpPr>
           <p:cNvPr id="3" name="Content Placeholder 2"/>
           <p:cNvSpPr>
             <a:spLocks noGrp="1"/>
@@ -3661,7 +3797,7 @@
 </p:sld>
 </file>
 
-<file path=ppt/slides/slide4.xml><?xml version="1.0" encoding="utf-8"?>
+<file path=ppt/slides/slide5.xml><?xml version="1.0" encoding="utf-8"?>
 <p:sld xmlns:a="http://schemas.openxmlformats.org/drawingml/2006/main" xmlns:r="http://schemas.openxmlformats.org/officeDocument/2006/relationships" xmlns:p="http://schemas.openxmlformats.org/presentationml/2006/main">
   <p:cSld>
     <p:spTree>
